--- a/Week 3/logistic_regression.pptx
+++ b/Week 3/logistic_regression.pptx
@@ -848,7 +848,7 @@
           <a:p>
             <a:fld id="{02551C5E-7B98-400D-856A-E029987A820A}" type="datetimeFigureOut">
               <a:rPr lang="en-US" smtClean="0"/>
-              <a:t>3/27/2021</a:t>
+              <a:t>3/30/2021</a:t>
             </a:fld>
             <a:endParaRPr lang="en-US"/>
           </a:p>
@@ -1099,7 +1099,7 @@
           <a:p>
             <a:fld id="{02551C5E-7B98-400D-856A-E029987A820A}" type="datetimeFigureOut">
               <a:rPr lang="en-US" smtClean="0"/>
-              <a:t>3/27/2021</a:t>
+              <a:t>3/30/2021</a:t>
             </a:fld>
             <a:endParaRPr lang="en-US"/>
           </a:p>
@@ -1413,7 +1413,7 @@
           <a:p>
             <a:fld id="{02551C5E-7B98-400D-856A-E029987A820A}" type="datetimeFigureOut">
               <a:rPr lang="en-US" smtClean="0"/>
-              <a:t>3/27/2021</a:t>
+              <a:t>3/30/2021</a:t>
             </a:fld>
             <a:endParaRPr lang="en-US"/>
           </a:p>
@@ -1754,7 +1754,7 @@
           <a:p>
             <a:fld id="{02551C5E-7B98-400D-856A-E029987A820A}" type="datetimeFigureOut">
               <a:rPr lang="en-US" smtClean="0"/>
-              <a:t>3/27/2021</a:t>
+              <a:t>3/30/2021</a:t>
             </a:fld>
             <a:endParaRPr lang="en-US"/>
           </a:p>
@@ -2068,7 +2068,7 @@
           <a:p>
             <a:fld id="{02551C5E-7B98-400D-856A-E029987A820A}" type="datetimeFigureOut">
               <a:rPr lang="en-US" smtClean="0"/>
-              <a:t>3/27/2021</a:t>
+              <a:t>3/30/2021</a:t>
             </a:fld>
             <a:endParaRPr lang="en-US"/>
           </a:p>
@@ -2461,7 +2461,7 @@
           <a:p>
             <a:fld id="{02551C5E-7B98-400D-856A-E029987A820A}" type="datetimeFigureOut">
               <a:rPr lang="en-US" smtClean="0"/>
-              <a:t>3/27/2021</a:t>
+              <a:t>3/30/2021</a:t>
             </a:fld>
             <a:endParaRPr lang="en-US"/>
           </a:p>
@@ -2631,7 +2631,7 @@
           <a:p>
             <a:fld id="{02551C5E-7B98-400D-856A-E029987A820A}" type="datetimeFigureOut">
               <a:rPr lang="en-US" smtClean="0"/>
-              <a:t>3/27/2021</a:t>
+              <a:t>3/30/2021</a:t>
             </a:fld>
             <a:endParaRPr lang="en-US"/>
           </a:p>
@@ -2811,7 +2811,7 @@
           <a:p>
             <a:fld id="{02551C5E-7B98-400D-856A-E029987A820A}" type="datetimeFigureOut">
               <a:rPr lang="en-US" smtClean="0"/>
-              <a:t>3/27/2021</a:t>
+              <a:t>3/30/2021</a:t>
             </a:fld>
             <a:endParaRPr lang="en-US"/>
           </a:p>
@@ -2987,7 +2987,7 @@
           <a:p>
             <a:fld id="{02551C5E-7B98-400D-856A-E029987A820A}" type="datetimeFigureOut">
               <a:rPr lang="en-US" smtClean="0"/>
-              <a:t>3/27/2021</a:t>
+              <a:t>3/30/2021</a:t>
             </a:fld>
             <a:endParaRPr lang="en-US"/>
           </a:p>
@@ -3234,7 +3234,7 @@
           <a:p>
             <a:fld id="{02551C5E-7B98-400D-856A-E029987A820A}" type="datetimeFigureOut">
               <a:rPr lang="en-US" smtClean="0"/>
-              <a:t>3/27/2021</a:t>
+              <a:t>3/30/2021</a:t>
             </a:fld>
             <a:endParaRPr lang="en-US"/>
           </a:p>
@@ -3466,7 +3466,7 @@
           <a:p>
             <a:fld id="{02551C5E-7B98-400D-856A-E029987A820A}" type="datetimeFigureOut">
               <a:rPr lang="en-US" smtClean="0"/>
-              <a:t>3/27/2021</a:t>
+              <a:t>3/30/2021</a:t>
             </a:fld>
             <a:endParaRPr lang="en-US"/>
           </a:p>
@@ -3840,7 +3840,7 @@
           <a:p>
             <a:fld id="{02551C5E-7B98-400D-856A-E029987A820A}" type="datetimeFigureOut">
               <a:rPr lang="en-US" smtClean="0"/>
-              <a:t>3/27/2021</a:t>
+              <a:t>3/30/2021</a:t>
             </a:fld>
             <a:endParaRPr lang="en-US"/>
           </a:p>
@@ -3963,7 +3963,7 @@
           <a:p>
             <a:fld id="{02551C5E-7B98-400D-856A-E029987A820A}" type="datetimeFigureOut">
               <a:rPr lang="en-US" smtClean="0"/>
-              <a:t>3/27/2021</a:t>
+              <a:t>3/30/2021</a:t>
             </a:fld>
             <a:endParaRPr lang="en-US"/>
           </a:p>
@@ -4058,7 +4058,7 @@
           <a:p>
             <a:fld id="{02551C5E-7B98-400D-856A-E029987A820A}" type="datetimeFigureOut">
               <a:rPr lang="en-US" smtClean="0"/>
-              <a:t>3/27/2021</a:t>
+              <a:t>3/30/2021</a:t>
             </a:fld>
             <a:endParaRPr lang="en-US"/>
           </a:p>
@@ -4313,7 +4313,7 @@
           <a:p>
             <a:fld id="{02551C5E-7B98-400D-856A-E029987A820A}" type="datetimeFigureOut">
               <a:rPr lang="en-US" smtClean="0"/>
-              <a:t>3/27/2021</a:t>
+              <a:t>3/30/2021</a:t>
             </a:fld>
             <a:endParaRPr lang="en-US"/>
           </a:p>
@@ -4576,7 +4576,7 @@
           <a:p>
             <a:fld id="{02551C5E-7B98-400D-856A-E029987A820A}" type="datetimeFigureOut">
               <a:rPr lang="en-US" smtClean="0"/>
-              <a:t>3/27/2021</a:t>
+              <a:t>3/30/2021</a:t>
             </a:fld>
             <a:endParaRPr lang="en-US"/>
           </a:p>
@@ -5319,7 +5319,7 @@
           <a:p>
             <a:fld id="{02551C5E-7B98-400D-856A-E029987A820A}" type="datetimeFigureOut">
               <a:rPr lang="en-US" smtClean="0"/>
-              <a:t>3/27/2021</a:t>
+              <a:t>3/30/2021</a:t>
             </a:fld>
             <a:endParaRPr lang="en-US"/>
           </a:p>
@@ -6406,36 +6406,6 @@
           </a:prstGeom>
         </p:spPr>
       </p:pic>
-      <p:pic>
-        <p:nvPicPr>
-          <p:cNvPr id="6" name="Picture 5">
-            <a:extLst>
-              <a:ext uri="{FF2B5EF4-FFF2-40B4-BE49-F238E27FC236}">
-                <a16:creationId xmlns:a16="http://schemas.microsoft.com/office/drawing/2014/main" id="{17055A43-A78A-41CF-B4D5-7BC8EBB9E4EE}"/>
-              </a:ext>
-            </a:extLst>
-          </p:cNvPr>
-          <p:cNvPicPr>
-            <a:picLocks noChangeAspect="1"/>
-          </p:cNvPicPr>
-          <p:nvPr/>
-        </p:nvPicPr>
-        <p:blipFill>
-          <a:blip r:embed="rId4"/>
-          <a:stretch>
-            <a:fillRect/>
-          </a:stretch>
-        </p:blipFill>
-        <p:spPr>
-          <a:xfrm>
-            <a:off x="4911129" y="4489345"/>
-            <a:ext cx="3702893" cy="1581235"/>
-          </a:xfrm>
-          <a:prstGeom prst="rect">
-            <a:avLst/>
-          </a:prstGeom>
-        </p:spPr>
-      </p:pic>
       <p:sp>
         <p:nvSpPr>
           <p:cNvPr id="9" name="Rectangle 8">
@@ -6594,7 +6564,7 @@
           </p:nvPr>
         </p:nvPicPr>
         <p:blipFill>
-          <a:blip r:embed="rId5">
+          <a:blip r:embed="rId4">
             <a:extLst>
               <a:ext uri="{28A0092B-C50C-407E-A947-70E740481C1C}">
                 <a14:useLocalDpi xmlns:a14="http://schemas.microsoft.com/office/drawing/2010/main" val="0"/>
@@ -6610,6 +6580,36 @@
             <a:off x="464901" y="1551227"/>
             <a:ext cx="4057671" cy="1320800"/>
           </a:xfrm>
+        </p:spPr>
+      </p:pic>
+      <p:pic>
+        <p:nvPicPr>
+          <p:cNvPr id="5" name="Picture 4">
+            <a:extLst>
+              <a:ext uri="{FF2B5EF4-FFF2-40B4-BE49-F238E27FC236}">
+                <a16:creationId xmlns:a16="http://schemas.microsoft.com/office/drawing/2014/main" id="{640CEC53-ABBC-4C49-B1F2-720C1CFA0F40}"/>
+              </a:ext>
+            </a:extLst>
+          </p:cNvPr>
+          <p:cNvPicPr>
+            <a:picLocks noChangeAspect="1"/>
+          </p:cNvPicPr>
+          <p:nvPr/>
+        </p:nvPicPr>
+        <p:blipFill>
+          <a:blip r:embed="rId5"/>
+          <a:stretch>
+            <a:fillRect/>
+          </a:stretch>
+        </p:blipFill>
+        <p:spPr>
+          <a:xfrm>
+            <a:off x="4911128" y="4426995"/>
+            <a:ext cx="3734885" cy="1637903"/>
+          </a:xfrm>
+          <a:prstGeom prst="rect">
+            <a:avLst/>
+          </a:prstGeom>
         </p:spPr>
       </p:pic>
     </p:spTree>
